--- a/src/assets/CURSO DE REACTJS - Fiscalia.pptx
+++ b/src/assets/CURSO DE REACTJS - Fiscalia.pptx
@@ -33,6 +33,16 @@
     <p:sldId id="282" r:id="rId27"/>
     <p:sldId id="283" r:id="rId28"/>
     <p:sldId id="284" r:id="rId29"/>
+    <p:sldId id="293" r:id="rId30"/>
+    <p:sldId id="294" r:id="rId31"/>
+    <p:sldId id="285" r:id="rId32"/>
+    <p:sldId id="286" r:id="rId33"/>
+    <p:sldId id="287" r:id="rId34"/>
+    <p:sldId id="288" r:id="rId35"/>
+    <p:sldId id="289" r:id="rId36"/>
+    <p:sldId id="290" r:id="rId37"/>
+    <p:sldId id="291" r:id="rId38"/>
+    <p:sldId id="292" r:id="rId39"/>
   </p:sldIdLst>
   <p:sldSz cx="12192000" cy="6858000"/>
   <p:notesSz cx="6858000" cy="9144000"/>
@@ -368,7 +378,7 @@
           <a:p>
             <a:fld id="{D8BF05AA-0403-48CE-A029-ACF8DC639FE0}" type="datetimeFigureOut">
               <a:rPr lang="es-CO" smtClean="0"/>
-              <a:t>22/12/2020</a:t>
+              <a:t>27/12/2020</a:t>
             </a:fld>
             <a:endParaRPr lang="es-CO"/>
           </a:p>
@@ -702,7 +712,7 @@
           <a:p>
             <a:fld id="{D8BF05AA-0403-48CE-A029-ACF8DC639FE0}" type="datetimeFigureOut">
               <a:rPr lang="es-CO" smtClean="0"/>
-              <a:t>22/12/2020</a:t>
+              <a:t>27/12/2020</a:t>
             </a:fld>
             <a:endParaRPr lang="es-CO"/>
           </a:p>
@@ -980,7 +990,7 @@
           <a:p>
             <a:fld id="{D8BF05AA-0403-48CE-A029-ACF8DC639FE0}" type="datetimeFigureOut">
               <a:rPr lang="es-CO" smtClean="0"/>
-              <a:t>22/12/2020</a:t>
+              <a:t>27/12/2020</a:t>
             </a:fld>
             <a:endParaRPr lang="es-CO"/>
           </a:p>
@@ -1548,7 +1558,7 @@
           <a:p>
             <a:fld id="{D8BF05AA-0403-48CE-A029-ACF8DC639FE0}" type="datetimeFigureOut">
               <a:rPr lang="es-CO" smtClean="0"/>
-              <a:t>22/12/2020</a:t>
+              <a:t>27/12/2020</a:t>
             </a:fld>
             <a:endParaRPr lang="es-CO"/>
           </a:p>
@@ -1826,7 +1836,7 @@
           <a:p>
             <a:fld id="{D8BF05AA-0403-48CE-A029-ACF8DC639FE0}" type="datetimeFigureOut">
               <a:rPr lang="es-CO" smtClean="0"/>
-              <a:t>22/12/2020</a:t>
+              <a:t>27/12/2020</a:t>
             </a:fld>
             <a:endParaRPr lang="es-CO"/>
           </a:p>
@@ -2388,7 +2398,7 @@
           <a:p>
             <a:fld id="{D8BF05AA-0403-48CE-A029-ACF8DC639FE0}" type="datetimeFigureOut">
               <a:rPr lang="es-CO" smtClean="0"/>
-              <a:t>22/12/2020</a:t>
+              <a:t>27/12/2020</a:t>
             </a:fld>
             <a:endParaRPr lang="es-CO"/>
           </a:p>
@@ -2715,7 +2725,7 @@
           <a:p>
             <a:fld id="{D8BF05AA-0403-48CE-A029-ACF8DC639FE0}" type="datetimeFigureOut">
               <a:rPr lang="es-CO" smtClean="0"/>
-              <a:t>22/12/2020</a:t>
+              <a:t>27/12/2020</a:t>
             </a:fld>
             <a:endParaRPr lang="es-CO"/>
           </a:p>
@@ -2892,7 +2902,7 @@
           <a:p>
             <a:fld id="{D8BF05AA-0403-48CE-A029-ACF8DC639FE0}" type="datetimeFigureOut">
               <a:rPr lang="es-CO" smtClean="0"/>
-              <a:t>22/12/2020</a:t>
+              <a:t>27/12/2020</a:t>
             </a:fld>
             <a:endParaRPr lang="es-CO"/>
           </a:p>
@@ -3130,7 +3140,7 @@
           <a:p>
             <a:fld id="{D8BF05AA-0403-48CE-A029-ACF8DC639FE0}" type="datetimeFigureOut">
               <a:rPr lang="es-CO" smtClean="0"/>
-              <a:t>22/12/2020</a:t>
+              <a:t>27/12/2020</a:t>
             </a:fld>
             <a:endParaRPr lang="es-CO"/>
           </a:p>
@@ -3330,7 +3340,7 @@
           <a:p>
             <a:fld id="{D8BF05AA-0403-48CE-A029-ACF8DC639FE0}" type="datetimeFigureOut">
               <a:rPr lang="es-CO" smtClean="0"/>
-              <a:t>22/12/2020</a:t>
+              <a:t>27/12/2020</a:t>
             </a:fld>
             <a:endParaRPr lang="es-CO"/>
           </a:p>
@@ -3606,7 +3616,7 @@
           <a:p>
             <a:fld id="{D8BF05AA-0403-48CE-A029-ACF8DC639FE0}" type="datetimeFigureOut">
               <a:rPr lang="es-CO" smtClean="0"/>
-              <a:t>22/12/2020</a:t>
+              <a:t>27/12/2020</a:t>
             </a:fld>
             <a:endParaRPr lang="es-CO"/>
           </a:p>
@@ -3872,7 +3882,7 @@
           <a:p>
             <a:fld id="{D8BF05AA-0403-48CE-A029-ACF8DC639FE0}" type="datetimeFigureOut">
               <a:rPr lang="es-CO" smtClean="0"/>
-              <a:t>22/12/2020</a:t>
+              <a:t>27/12/2020</a:t>
             </a:fld>
             <a:endParaRPr lang="es-CO"/>
           </a:p>
@@ -4246,7 +4256,7 @@
           <a:p>
             <a:fld id="{D8BF05AA-0403-48CE-A029-ACF8DC639FE0}" type="datetimeFigureOut">
               <a:rPr lang="es-CO" smtClean="0"/>
-              <a:t>22/12/2020</a:t>
+              <a:t>27/12/2020</a:t>
             </a:fld>
             <a:endParaRPr lang="es-CO"/>
           </a:p>
@@ -4394,7 +4404,7 @@
           <a:p>
             <a:fld id="{D8BF05AA-0403-48CE-A029-ACF8DC639FE0}" type="datetimeFigureOut">
               <a:rPr lang="es-CO" smtClean="0"/>
-              <a:t>22/12/2020</a:t>
+              <a:t>27/12/2020</a:t>
             </a:fld>
             <a:endParaRPr lang="es-CO"/>
           </a:p>
@@ -4519,7 +4529,7 @@
           <a:p>
             <a:fld id="{D8BF05AA-0403-48CE-A029-ACF8DC639FE0}" type="datetimeFigureOut">
               <a:rPr lang="es-CO" smtClean="0"/>
-              <a:t>22/12/2020</a:t>
+              <a:t>27/12/2020</a:t>
             </a:fld>
             <a:endParaRPr lang="es-CO"/>
           </a:p>
@@ -4804,7 +4814,7 @@
           <a:p>
             <a:fld id="{D8BF05AA-0403-48CE-A029-ACF8DC639FE0}" type="datetimeFigureOut">
               <a:rPr lang="es-CO" smtClean="0"/>
-              <a:t>22/12/2020</a:t>
+              <a:t>27/12/2020</a:t>
             </a:fld>
             <a:endParaRPr lang="es-CO"/>
           </a:p>
@@ -5128,7 +5138,7 @@
           <a:p>
             <a:fld id="{D8BF05AA-0403-48CE-A029-ACF8DC639FE0}" type="datetimeFigureOut">
               <a:rPr lang="es-CO" smtClean="0"/>
-              <a:t>22/12/2020</a:t>
+              <a:t>27/12/2020</a:t>
             </a:fld>
             <a:endParaRPr lang="es-CO"/>
           </a:p>
@@ -5342,7 +5352,7 @@
           <a:p>
             <a:fld id="{D8BF05AA-0403-48CE-A029-ACF8DC639FE0}" type="datetimeFigureOut">
               <a:rPr lang="es-CO" smtClean="0"/>
-              <a:t>22/12/2020</a:t>
+              <a:t>27/12/2020</a:t>
             </a:fld>
             <a:endParaRPr lang="es-CO"/>
           </a:p>
@@ -9838,6 +9848,178 @@
 </p:sld>
 </file>
 
+<file path=ppt/slides/slide29.xml><?xml version="1.0" encoding="utf-8"?>
+<p:sld xmlns:a="http://schemas.openxmlformats.org/drawingml/2006/main" xmlns:r="http://schemas.openxmlformats.org/officeDocument/2006/relationships" xmlns:p="http://schemas.openxmlformats.org/presentationml/2006/main">
+  <p:cSld>
+    <p:spTree>
+      <p:nvGrpSpPr>
+        <p:cNvPr id="1" name=""/>
+        <p:cNvGrpSpPr/>
+        <p:nvPr/>
+      </p:nvGrpSpPr>
+      <p:grpSpPr>
+        <a:xfrm>
+          <a:off x="0" y="0"/>
+          <a:ext cx="0" cy="0"/>
+          <a:chOff x="0" y="0"/>
+          <a:chExt cx="0" cy="0"/>
+        </a:xfrm>
+      </p:grpSpPr>
+      <p:sp>
+        <p:nvSpPr>
+          <p:cNvPr id="2" name="Título 1">
+            <a:extLst>
+              <a:ext uri="{FF2B5EF4-FFF2-40B4-BE49-F238E27FC236}">
+                <a16:creationId xmlns:a16="http://schemas.microsoft.com/office/drawing/2014/main" id="{17833B04-E491-4622-9B3A-69AFDDB8AEDC}"/>
+              </a:ext>
+            </a:extLst>
+          </p:cNvPr>
+          <p:cNvSpPr>
+            <a:spLocks noGrp="1"/>
+          </p:cNvSpPr>
+          <p:nvPr>
+            <p:ph type="title"/>
+          </p:nvPr>
+        </p:nvSpPr>
+        <p:spPr>
+          <a:xfrm>
+            <a:off x="685801" y="609600"/>
+            <a:ext cx="10131425" cy="682305"/>
+          </a:xfrm>
+        </p:spPr>
+        <p:txBody>
+          <a:bodyPr/>
+          <a:lstStyle/>
+          <a:p>
+            <a:r>
+              <a:rPr lang="es-CO" dirty="0" err="1"/>
+              <a:t>AXios</a:t>
+            </a:r>
+            <a:endParaRPr lang="es-CO" dirty="0"/>
+          </a:p>
+        </p:txBody>
+      </p:sp>
+      <p:sp>
+        <p:nvSpPr>
+          <p:cNvPr id="3" name="Marcador de contenido 2">
+            <a:extLst>
+              <a:ext uri="{FF2B5EF4-FFF2-40B4-BE49-F238E27FC236}">
+                <a16:creationId xmlns:a16="http://schemas.microsoft.com/office/drawing/2014/main" id="{7B84C375-91F3-4F5A-9945-D7D33EB46FF7}"/>
+              </a:ext>
+            </a:extLst>
+          </p:cNvPr>
+          <p:cNvSpPr>
+            <a:spLocks noGrp="1"/>
+          </p:cNvSpPr>
+          <p:nvPr>
+            <p:ph idx="1"/>
+          </p:nvPr>
+        </p:nvSpPr>
+        <p:spPr>
+          <a:xfrm>
+            <a:off x="685801" y="1417739"/>
+            <a:ext cx="10131425" cy="4373461"/>
+          </a:xfrm>
+        </p:spPr>
+        <p:txBody>
+          <a:bodyPr/>
+          <a:lstStyle/>
+          <a:p>
+            <a:pPr marL="0" indent="0">
+              <a:buNone/>
+            </a:pPr>
+            <a:r>
+              <a:rPr lang="es-CO" dirty="0"/>
+              <a:t>Muchos proyectos en la web deben interactuar con una API REST en algún momento en su desarrollo. Axios es un cliente HTTP ligero basado en el servicio $http en Angular.so v1.x y es similar a la API </a:t>
+            </a:r>
+            <a:r>
+              <a:rPr lang="es-CO" dirty="0" err="1"/>
+              <a:t>Fetch</a:t>
+            </a:r>
+            <a:r>
+              <a:rPr lang="es-CO" dirty="0"/>
+              <a:t> nativa de JavaScript.</a:t>
+            </a:r>
+          </a:p>
+          <a:p>
+            <a:pPr marL="0" indent="0">
+              <a:buNone/>
+            </a:pPr>
+            <a:endParaRPr lang="es-CO" dirty="0"/>
+          </a:p>
+          <a:p>
+            <a:pPr marL="0" indent="0">
+              <a:buNone/>
+            </a:pPr>
+            <a:r>
+              <a:rPr lang="es-CO" dirty="0"/>
+              <a:t>Axios se basa en promesas, lo que le permite aprovechar </a:t>
+            </a:r>
+            <a:r>
+              <a:rPr lang="es-CO" dirty="0" err="1"/>
+              <a:t>async</a:t>
+            </a:r>
+            <a:r>
+              <a:rPr lang="es-CO" dirty="0"/>
+              <a:t> y </a:t>
+            </a:r>
+            <a:r>
+              <a:rPr lang="es-CO" dirty="0" err="1"/>
+              <a:t>await</a:t>
+            </a:r>
+            <a:r>
+              <a:rPr lang="es-CO" dirty="0"/>
+              <a:t> de JavaScript para obtener un código asíncrono más legible.</a:t>
+            </a:r>
+          </a:p>
+          <a:p>
+            <a:endParaRPr lang="es-CO" dirty="0"/>
+          </a:p>
+        </p:txBody>
+      </p:sp>
+      <p:pic>
+        <p:nvPicPr>
+          <p:cNvPr id="6" name="Imagen 5">
+            <a:extLst>
+              <a:ext uri="{FF2B5EF4-FFF2-40B4-BE49-F238E27FC236}">
+                <a16:creationId xmlns:a16="http://schemas.microsoft.com/office/drawing/2014/main" id="{7EF4572F-E154-4C14-86F8-56706711E39B}"/>
+              </a:ext>
+            </a:extLst>
+          </p:cNvPr>
+          <p:cNvPicPr>
+            <a:picLocks noChangeAspect="1"/>
+          </p:cNvPicPr>
+          <p:nvPr/>
+        </p:nvPicPr>
+        <p:blipFill>
+          <a:blip r:embed="rId2"/>
+          <a:stretch>
+            <a:fillRect/>
+          </a:stretch>
+        </p:blipFill>
+        <p:spPr>
+          <a:xfrm>
+            <a:off x="3763773" y="4724400"/>
+            <a:ext cx="4362450" cy="1066800"/>
+          </a:xfrm>
+          <a:prstGeom prst="rect">
+            <a:avLst/>
+          </a:prstGeom>
+        </p:spPr>
+      </p:pic>
+    </p:spTree>
+    <p:extLst>
+      <p:ext uri="{BB962C8B-B14F-4D97-AF65-F5344CB8AC3E}">
+        <p14:creationId xmlns:p14="http://schemas.microsoft.com/office/powerpoint/2010/main" val="3070454688"/>
+      </p:ext>
+    </p:extLst>
+  </p:cSld>
+  <p:clrMapOvr>
+    <a:masterClrMapping/>
+  </p:clrMapOvr>
+</p:sld>
+</file>
+
 <file path=ppt/slides/slide3.xml><?xml version="1.0" encoding="utf-8"?>
 <p:sld xmlns:a="http://schemas.openxmlformats.org/drawingml/2006/main" xmlns:r="http://schemas.openxmlformats.org/officeDocument/2006/relationships" xmlns:p="http://schemas.openxmlformats.org/presentationml/2006/main">
   <p:cSld>
@@ -10012,6 +10194,1630 @@
     <p:extLst>
       <p:ext uri="{BB962C8B-B14F-4D97-AF65-F5344CB8AC3E}">
         <p14:creationId xmlns:p14="http://schemas.microsoft.com/office/powerpoint/2010/main" val="2376003461"/>
+      </p:ext>
+    </p:extLst>
+  </p:cSld>
+  <p:clrMapOvr>
+    <a:masterClrMapping/>
+  </p:clrMapOvr>
+</p:sld>
+</file>
+
+<file path=ppt/slides/slide30.xml><?xml version="1.0" encoding="utf-8"?>
+<p:sld xmlns:a="http://schemas.openxmlformats.org/drawingml/2006/main" xmlns:r="http://schemas.openxmlformats.org/officeDocument/2006/relationships" xmlns:p="http://schemas.openxmlformats.org/presentationml/2006/main">
+  <p:cSld>
+    <p:spTree>
+      <p:nvGrpSpPr>
+        <p:cNvPr id="1" name=""/>
+        <p:cNvGrpSpPr/>
+        <p:nvPr/>
+      </p:nvGrpSpPr>
+      <p:grpSpPr>
+        <a:xfrm>
+          <a:off x="0" y="0"/>
+          <a:ext cx="0" cy="0"/>
+          <a:chOff x="0" y="0"/>
+          <a:chExt cx="0" cy="0"/>
+        </a:xfrm>
+      </p:grpSpPr>
+      <p:sp>
+        <p:nvSpPr>
+          <p:cNvPr id="2" name="Título 1">
+            <a:extLst>
+              <a:ext uri="{FF2B5EF4-FFF2-40B4-BE49-F238E27FC236}">
+                <a16:creationId xmlns:a16="http://schemas.microsoft.com/office/drawing/2014/main" id="{54598EEB-D25C-4315-ADA7-B52BEC07C052}"/>
+              </a:ext>
+            </a:extLst>
+          </p:cNvPr>
+          <p:cNvSpPr>
+            <a:spLocks noGrp="1"/>
+          </p:cNvSpPr>
+          <p:nvPr>
+            <p:ph type="title"/>
+          </p:nvPr>
+        </p:nvSpPr>
+        <p:spPr/>
+        <p:txBody>
+          <a:bodyPr/>
+          <a:lstStyle/>
+          <a:p>
+            <a:endParaRPr lang="es-CO"/>
+          </a:p>
+        </p:txBody>
+      </p:sp>
+      <p:pic>
+        <p:nvPicPr>
+          <p:cNvPr id="5" name="Marcador de contenido 4">
+            <a:extLst>
+              <a:ext uri="{FF2B5EF4-FFF2-40B4-BE49-F238E27FC236}">
+                <a16:creationId xmlns:a16="http://schemas.microsoft.com/office/drawing/2014/main" id="{B31FB9AD-1F49-4C37-ACB9-086B58A6A580}"/>
+              </a:ext>
+            </a:extLst>
+          </p:cNvPr>
+          <p:cNvPicPr>
+            <a:picLocks noGrp="1" noChangeAspect="1"/>
+          </p:cNvPicPr>
+          <p:nvPr>
+            <p:ph idx="1"/>
+          </p:nvPr>
+        </p:nvPicPr>
+        <p:blipFill>
+          <a:blip r:embed="rId2"/>
+          <a:stretch>
+            <a:fillRect/>
+          </a:stretch>
+        </p:blipFill>
+        <p:spPr>
+          <a:xfrm>
+            <a:off x="3011161" y="2393208"/>
+            <a:ext cx="5061254" cy="3649662"/>
+          </a:xfrm>
+        </p:spPr>
+      </p:pic>
+    </p:spTree>
+    <p:extLst>
+      <p:ext uri="{BB962C8B-B14F-4D97-AF65-F5344CB8AC3E}">
+        <p14:creationId xmlns:p14="http://schemas.microsoft.com/office/powerpoint/2010/main" val="261532767"/>
+      </p:ext>
+    </p:extLst>
+  </p:cSld>
+  <p:clrMapOvr>
+    <a:masterClrMapping/>
+  </p:clrMapOvr>
+</p:sld>
+</file>
+
+<file path=ppt/slides/slide31.xml><?xml version="1.0" encoding="utf-8"?>
+<p:sld xmlns:a="http://schemas.openxmlformats.org/drawingml/2006/main" xmlns:r="http://schemas.openxmlformats.org/officeDocument/2006/relationships" xmlns:p="http://schemas.openxmlformats.org/presentationml/2006/main">
+  <p:cSld>
+    <p:spTree>
+      <p:nvGrpSpPr>
+        <p:cNvPr id="1" name=""/>
+        <p:cNvGrpSpPr/>
+        <p:nvPr/>
+      </p:nvGrpSpPr>
+      <p:grpSpPr>
+        <a:xfrm>
+          <a:off x="0" y="0"/>
+          <a:ext cx="0" cy="0"/>
+          <a:chOff x="0" y="0"/>
+          <a:chExt cx="0" cy="0"/>
+        </a:xfrm>
+      </p:grpSpPr>
+      <p:sp>
+        <p:nvSpPr>
+          <p:cNvPr id="2" name="Título 1">
+            <a:extLst>
+              <a:ext uri="{FF2B5EF4-FFF2-40B4-BE49-F238E27FC236}">
+                <a16:creationId xmlns:a16="http://schemas.microsoft.com/office/drawing/2014/main" id="{EC158154-7664-4FD0-AF0A-2B3F1FCCF770}"/>
+              </a:ext>
+            </a:extLst>
+          </p:cNvPr>
+          <p:cNvSpPr>
+            <a:spLocks noGrp="1"/>
+          </p:cNvSpPr>
+          <p:nvPr>
+            <p:ph type="title"/>
+          </p:nvPr>
+        </p:nvSpPr>
+        <p:spPr>
+          <a:xfrm>
+            <a:off x="685801" y="609601"/>
+            <a:ext cx="10131425" cy="673916"/>
+          </a:xfrm>
+        </p:spPr>
+        <p:txBody>
+          <a:bodyPr/>
+          <a:lstStyle/>
+          <a:p>
+            <a:r>
+              <a:rPr lang="es-CO" dirty="0" err="1"/>
+              <a:t>Redux</a:t>
+            </a:r>
+            <a:r>
+              <a:rPr lang="es-CO" dirty="0"/>
+              <a:t> </a:t>
+            </a:r>
+          </a:p>
+        </p:txBody>
+      </p:sp>
+      <p:sp>
+        <p:nvSpPr>
+          <p:cNvPr id="3" name="Marcador de contenido 2">
+            <a:extLst>
+              <a:ext uri="{FF2B5EF4-FFF2-40B4-BE49-F238E27FC236}">
+                <a16:creationId xmlns:a16="http://schemas.microsoft.com/office/drawing/2014/main" id="{67872A8D-8284-4304-B055-407A72790325}"/>
+              </a:ext>
+            </a:extLst>
+          </p:cNvPr>
+          <p:cNvSpPr>
+            <a:spLocks noGrp="1"/>
+          </p:cNvSpPr>
+          <p:nvPr>
+            <p:ph idx="1"/>
+          </p:nvPr>
+        </p:nvSpPr>
+        <p:spPr>
+          <a:xfrm>
+            <a:off x="685801" y="1392573"/>
+            <a:ext cx="10131425" cy="4398628"/>
+          </a:xfrm>
+        </p:spPr>
+        <p:txBody>
+          <a:bodyPr/>
+          <a:lstStyle/>
+          <a:p>
+            <a:pPr marL="0" indent="0">
+              <a:buNone/>
+            </a:pPr>
+            <a:r>
+              <a:rPr lang="es-CO" dirty="0" err="1"/>
+              <a:t>Redux</a:t>
+            </a:r>
+            <a:r>
+              <a:rPr lang="es-CO" dirty="0"/>
+              <a:t> es una herramienta para la gestión de estado en apps </a:t>
+            </a:r>
+            <a:r>
+              <a:rPr lang="es-CO" dirty="0" err="1"/>
+              <a:t>Javascript</a:t>
+            </a:r>
+            <a:r>
+              <a:rPr lang="es-CO" dirty="0"/>
+              <a:t> que nació en 2015. Aunque suele asociarse a </a:t>
+            </a:r>
+            <a:r>
+              <a:rPr lang="es-CO" dirty="0" err="1"/>
+              <a:t>React</a:t>
+            </a:r>
+            <a:r>
+              <a:rPr lang="es-CO" dirty="0"/>
+              <a:t>, lo cierto es que es una librería </a:t>
+            </a:r>
+            <a:r>
+              <a:rPr lang="es-CO" dirty="0" err="1"/>
+              <a:t>framework</a:t>
+            </a:r>
+            <a:r>
+              <a:rPr lang="es-CO" dirty="0"/>
+              <a:t> </a:t>
+            </a:r>
+            <a:r>
+              <a:rPr lang="es-CO" dirty="0" err="1"/>
+              <a:t>agnostic</a:t>
+            </a:r>
+            <a:r>
+              <a:rPr lang="es-CO" dirty="0"/>
+              <a:t>, que vale la pena conocer aunque no vayas a trabajar con </a:t>
+            </a:r>
+            <a:r>
+              <a:rPr lang="es-CO" dirty="0" err="1"/>
+              <a:t>React</a:t>
+            </a:r>
+            <a:r>
+              <a:rPr lang="es-CO" dirty="0"/>
+              <a:t>.</a:t>
+            </a:r>
+          </a:p>
+          <a:p>
+            <a:pPr marL="0" indent="0">
+              <a:buNone/>
+            </a:pPr>
+            <a:endParaRPr lang="es-CO" dirty="0"/>
+          </a:p>
+          <a:p>
+            <a:pPr marL="0" indent="0">
+              <a:buNone/>
+            </a:pPr>
+            <a:r>
+              <a:rPr lang="es-CO" b="1" dirty="0"/>
+              <a:t>¿Qué es la gestión de estado (</a:t>
+            </a:r>
+            <a:r>
+              <a:rPr lang="es-CO" b="1" dirty="0" err="1"/>
+              <a:t>state</a:t>
+            </a:r>
+            <a:r>
+              <a:rPr lang="es-CO" b="1" dirty="0"/>
+              <a:t> </a:t>
+            </a:r>
+            <a:r>
+              <a:rPr lang="es-CO" b="1" dirty="0" err="1"/>
+              <a:t>management</a:t>
+            </a:r>
+            <a:r>
+              <a:rPr lang="es-CO" b="1" dirty="0"/>
+              <a:t>)?</a:t>
+            </a:r>
+          </a:p>
+          <a:p>
+            <a:pPr marL="0" indent="0">
+              <a:buNone/>
+            </a:pPr>
+            <a:r>
+              <a:rPr lang="es-CO" dirty="0"/>
+              <a:t>En programación, se podría definir «estado» como el conjunto de todos los valores almacenados por la aplicación mediante propiedades o variables en cualquier momento de ejecución.</a:t>
+            </a:r>
+          </a:p>
+          <a:p>
+            <a:pPr marL="0" indent="0">
+              <a:buNone/>
+            </a:pPr>
+            <a:endParaRPr lang="es-CO" dirty="0"/>
+          </a:p>
+          <a:p>
+            <a:pPr marL="0" indent="0">
+              <a:buNone/>
+            </a:pPr>
+            <a:r>
+              <a:rPr lang="es-CO" dirty="0"/>
+              <a:t>En </a:t>
+            </a:r>
+            <a:r>
+              <a:rPr lang="es-CO" dirty="0" err="1"/>
+              <a:t>frontend</a:t>
+            </a:r>
+            <a:r>
+              <a:rPr lang="es-CO" dirty="0"/>
+              <a:t>, el estado puede incluir las respuestas del servidor y la información cacheada, así como datos generados directamente en local que no se han guardado en servidor. A eso hay que añadirle el estado de la interfaz: rutas activas, </a:t>
+            </a:r>
+            <a:r>
+              <a:rPr lang="es-CO" dirty="0" err="1"/>
+              <a:t>tabs</a:t>
+            </a:r>
+            <a:r>
+              <a:rPr lang="es-CO" dirty="0"/>
+              <a:t> seleccionados, </a:t>
+            </a:r>
+            <a:r>
+              <a:rPr lang="es-CO" dirty="0" err="1"/>
+              <a:t>spinners</a:t>
+            </a:r>
+            <a:r>
+              <a:rPr lang="es-CO" dirty="0"/>
+              <a:t>, controles de paginación…</a:t>
+            </a:r>
+          </a:p>
+        </p:txBody>
+      </p:sp>
+    </p:spTree>
+    <p:extLst>
+      <p:ext uri="{BB962C8B-B14F-4D97-AF65-F5344CB8AC3E}">
+        <p14:creationId xmlns:p14="http://schemas.microsoft.com/office/powerpoint/2010/main" val="3367361990"/>
+      </p:ext>
+    </p:extLst>
+  </p:cSld>
+  <p:clrMapOvr>
+    <a:masterClrMapping/>
+  </p:clrMapOvr>
+</p:sld>
+</file>
+
+<file path=ppt/slides/slide32.xml><?xml version="1.0" encoding="utf-8"?>
+<p:sld xmlns:a="http://schemas.openxmlformats.org/drawingml/2006/main" xmlns:r="http://schemas.openxmlformats.org/officeDocument/2006/relationships" xmlns:p="http://schemas.openxmlformats.org/presentationml/2006/main">
+  <p:cSld>
+    <p:spTree>
+      <p:nvGrpSpPr>
+        <p:cNvPr id="1" name=""/>
+        <p:cNvGrpSpPr/>
+        <p:nvPr/>
+      </p:nvGrpSpPr>
+      <p:grpSpPr>
+        <a:xfrm>
+          <a:off x="0" y="0"/>
+          <a:ext cx="0" cy="0"/>
+          <a:chOff x="0" y="0"/>
+          <a:chExt cx="0" cy="0"/>
+        </a:xfrm>
+      </p:grpSpPr>
+      <p:pic>
+        <p:nvPicPr>
+          <p:cNvPr id="1026" name="Picture 2" descr="Redux Crash Course with Hooks 🎣 - DEV">
+            <a:extLst>
+              <a:ext uri="{FF2B5EF4-FFF2-40B4-BE49-F238E27FC236}">
+                <a16:creationId xmlns:a16="http://schemas.microsoft.com/office/drawing/2014/main" id="{C982DB0F-B460-4488-802B-F4E165B69119}"/>
+              </a:ext>
+            </a:extLst>
+          </p:cNvPr>
+          <p:cNvPicPr>
+            <a:picLocks noGrp="1" noChangeAspect="1" noChangeArrowheads="1"/>
+          </p:cNvPicPr>
+          <p:nvPr>
+            <p:ph idx="1"/>
+          </p:nvPr>
+        </p:nvPicPr>
+        <p:blipFill>
+          <a:blip r:embed="rId2">
+            <a:extLst>
+              <a:ext uri="{28A0092B-C50C-407E-A947-70E740481C1C}">
+                <a14:useLocalDpi xmlns:a14="http://schemas.microsoft.com/office/drawing/2010/main" val="0"/>
+              </a:ext>
+            </a:extLst>
+          </a:blip>
+          <a:srcRect/>
+          <a:stretch>
+            <a:fillRect/>
+          </a:stretch>
+        </p:blipFill>
+        <p:spPr bwMode="auto">
+          <a:xfrm>
+            <a:off x="1228966" y="1000162"/>
+            <a:ext cx="5471384" cy="3649662"/>
+          </a:xfrm>
+          <a:prstGeom prst="rect">
+            <a:avLst/>
+          </a:prstGeom>
+          <a:noFill/>
+          <a:extLst>
+            <a:ext uri="{909E8E84-426E-40DD-AFC4-6F175D3DCCD1}">
+              <a14:hiddenFill xmlns:a14="http://schemas.microsoft.com/office/drawing/2010/main">
+                <a:solidFill>
+                  <a:srgbClr val="FFFFFF"/>
+                </a:solidFill>
+              </a14:hiddenFill>
+            </a:ext>
+          </a:extLst>
+        </p:spPr>
+      </p:pic>
+      <p:sp>
+        <p:nvSpPr>
+          <p:cNvPr id="6" name="CuadroTexto 5">
+            <a:extLst>
+              <a:ext uri="{FF2B5EF4-FFF2-40B4-BE49-F238E27FC236}">
+                <a16:creationId xmlns:a16="http://schemas.microsoft.com/office/drawing/2014/main" id="{93F70660-E153-467D-A911-5F46DCE808A5}"/>
+              </a:ext>
+            </a:extLst>
+          </p:cNvPr>
+          <p:cNvSpPr txBox="1"/>
+          <p:nvPr/>
+        </p:nvSpPr>
+        <p:spPr>
+          <a:xfrm>
+            <a:off x="1101054" y="5387202"/>
+            <a:ext cx="9485851" cy="646331"/>
+          </a:xfrm>
+          <a:prstGeom prst="rect">
+            <a:avLst/>
+          </a:prstGeom>
+          <a:noFill/>
+        </p:spPr>
+        <p:txBody>
+          <a:bodyPr wrap="square">
+            <a:spAutoFit/>
+          </a:bodyPr>
+          <a:lstStyle/>
+          <a:p>
+            <a:r>
+              <a:rPr lang="es-CO" dirty="0"/>
+              <a:t>Con </a:t>
+            </a:r>
+            <a:r>
+              <a:rPr lang="es-CO" dirty="0" err="1"/>
+              <a:t>Redux</a:t>
+            </a:r>
+            <a:r>
+              <a:rPr lang="es-CO" dirty="0"/>
+              <a:t>, el estado de su aplicación se mantiene en una almacén y cada componente puede acceder a cualquier estado que necesite desde este almacén.</a:t>
+            </a:r>
+          </a:p>
+        </p:txBody>
+      </p:sp>
+    </p:spTree>
+    <p:extLst>
+      <p:ext uri="{BB962C8B-B14F-4D97-AF65-F5344CB8AC3E}">
+        <p14:creationId xmlns:p14="http://schemas.microsoft.com/office/powerpoint/2010/main" val="342828218"/>
+      </p:ext>
+    </p:extLst>
+  </p:cSld>
+  <p:clrMapOvr>
+    <a:masterClrMapping/>
+  </p:clrMapOvr>
+</p:sld>
+</file>
+
+<file path=ppt/slides/slide33.xml><?xml version="1.0" encoding="utf-8"?>
+<p:sld xmlns:a="http://schemas.openxmlformats.org/drawingml/2006/main" xmlns:r="http://schemas.openxmlformats.org/officeDocument/2006/relationships" xmlns:p="http://schemas.openxmlformats.org/presentationml/2006/main">
+  <p:cSld>
+    <p:spTree>
+      <p:nvGrpSpPr>
+        <p:cNvPr id="1" name=""/>
+        <p:cNvGrpSpPr/>
+        <p:nvPr/>
+      </p:nvGrpSpPr>
+      <p:grpSpPr>
+        <a:xfrm>
+          <a:off x="0" y="0"/>
+          <a:ext cx="0" cy="0"/>
+          <a:chOff x="0" y="0"/>
+          <a:chExt cx="0" cy="0"/>
+        </a:xfrm>
+      </p:grpSpPr>
+      <p:pic>
+        <p:nvPicPr>
+          <p:cNvPr id="2050" name="Picture 2" descr="Qué es Redux">
+            <a:extLst>
+              <a:ext uri="{FF2B5EF4-FFF2-40B4-BE49-F238E27FC236}">
+                <a16:creationId xmlns:a16="http://schemas.microsoft.com/office/drawing/2014/main" id="{1B1E3E8A-BDAD-41F0-A37F-AC34B7771B37}"/>
+              </a:ext>
+            </a:extLst>
+          </p:cNvPr>
+          <p:cNvPicPr>
+            <a:picLocks noGrp="1" noChangeAspect="1" noChangeArrowheads="1"/>
+          </p:cNvPicPr>
+          <p:nvPr>
+            <p:ph idx="1"/>
+          </p:nvPr>
+        </p:nvPicPr>
+        <p:blipFill>
+          <a:blip r:embed="rId2">
+            <a:extLst>
+              <a:ext uri="{28A0092B-C50C-407E-A947-70E740481C1C}">
+                <a14:useLocalDpi xmlns:a14="http://schemas.microsoft.com/office/drawing/2010/main" val="0"/>
+              </a:ext>
+            </a:extLst>
+          </a:blip>
+          <a:srcRect/>
+          <a:stretch>
+            <a:fillRect/>
+          </a:stretch>
+        </p:blipFill>
+        <p:spPr bwMode="auto">
+          <a:xfrm>
+            <a:off x="1063372" y="1856312"/>
+            <a:ext cx="4326107" cy="3649662"/>
+          </a:xfrm>
+          <a:prstGeom prst="rect">
+            <a:avLst/>
+          </a:prstGeom>
+          <a:noFill/>
+          <a:extLst>
+            <a:ext uri="{909E8E84-426E-40DD-AFC4-6F175D3DCCD1}">
+              <a14:hiddenFill xmlns:a14="http://schemas.microsoft.com/office/drawing/2010/main">
+                <a:solidFill>
+                  <a:srgbClr val="FFFFFF"/>
+                </a:solidFill>
+              </a14:hiddenFill>
+            </a:ext>
+          </a:extLst>
+        </p:spPr>
+      </p:pic>
+      <p:sp>
+        <p:nvSpPr>
+          <p:cNvPr id="5" name="CuadroTexto 4">
+            <a:extLst>
+              <a:ext uri="{FF2B5EF4-FFF2-40B4-BE49-F238E27FC236}">
+                <a16:creationId xmlns:a16="http://schemas.microsoft.com/office/drawing/2014/main" id="{C287B554-83AC-4831-9257-E0488CEC96D9}"/>
+              </a:ext>
+            </a:extLst>
+          </p:cNvPr>
+          <p:cNvSpPr txBox="1"/>
+          <p:nvPr/>
+        </p:nvSpPr>
+        <p:spPr>
+          <a:xfrm>
+            <a:off x="960517" y="903973"/>
+            <a:ext cx="8384817" cy="646331"/>
+          </a:xfrm>
+          <a:prstGeom prst="rect">
+            <a:avLst/>
+          </a:prstGeom>
+          <a:noFill/>
+        </p:spPr>
+        <p:txBody>
+          <a:bodyPr wrap="square">
+            <a:spAutoFit/>
+          </a:bodyPr>
+          <a:lstStyle/>
+          <a:p>
+            <a:r>
+              <a:rPr lang="es-CO" dirty="0"/>
+              <a:t>La gestión de estado consiste en asegurar que la UI muestre correctamente el estado actual de la aplicación.</a:t>
+            </a:r>
+          </a:p>
+        </p:txBody>
+      </p:sp>
+    </p:spTree>
+    <p:extLst>
+      <p:ext uri="{BB962C8B-B14F-4D97-AF65-F5344CB8AC3E}">
+        <p14:creationId xmlns:p14="http://schemas.microsoft.com/office/powerpoint/2010/main" val="1497364286"/>
+      </p:ext>
+    </p:extLst>
+  </p:cSld>
+  <p:clrMapOvr>
+    <a:masterClrMapping/>
+  </p:clrMapOvr>
+</p:sld>
+</file>
+
+<file path=ppt/slides/slide34.xml><?xml version="1.0" encoding="utf-8"?>
+<p:sld xmlns:a="http://schemas.openxmlformats.org/drawingml/2006/main" xmlns:r="http://schemas.openxmlformats.org/officeDocument/2006/relationships" xmlns:p="http://schemas.openxmlformats.org/presentationml/2006/main">
+  <p:cSld>
+    <p:spTree>
+      <p:nvGrpSpPr>
+        <p:cNvPr id="1" name=""/>
+        <p:cNvGrpSpPr/>
+        <p:nvPr/>
+      </p:nvGrpSpPr>
+      <p:grpSpPr>
+        <a:xfrm>
+          <a:off x="0" y="0"/>
+          <a:ext cx="0" cy="0"/>
+          <a:chOff x="0" y="0"/>
+          <a:chExt cx="0" cy="0"/>
+        </a:xfrm>
+      </p:grpSpPr>
+      <p:sp>
+        <p:nvSpPr>
+          <p:cNvPr id="3" name="Marcador de contenido 2">
+            <a:extLst>
+              <a:ext uri="{FF2B5EF4-FFF2-40B4-BE49-F238E27FC236}">
+                <a16:creationId xmlns:a16="http://schemas.microsoft.com/office/drawing/2014/main" id="{1697DC29-43B6-487D-9F22-F3F220AE001B}"/>
+              </a:ext>
+            </a:extLst>
+          </p:cNvPr>
+          <p:cNvSpPr>
+            <a:spLocks noGrp="1"/>
+          </p:cNvSpPr>
+          <p:nvPr>
+            <p:ph idx="1"/>
+          </p:nvPr>
+        </p:nvSpPr>
+        <p:spPr>
+          <a:xfrm>
+            <a:off x="685801" y="671119"/>
+            <a:ext cx="10131425" cy="5120081"/>
+          </a:xfrm>
+        </p:spPr>
+        <p:txBody>
+          <a:bodyPr/>
+          <a:lstStyle/>
+          <a:p>
+            <a:pPr marL="0" indent="0">
+              <a:buNone/>
+            </a:pPr>
+            <a:r>
+              <a:rPr lang="es-CO" dirty="0"/>
+              <a:t>Las aplicaciones sencillas no necesitan darle demasiada importancia a la gestión del estado. Su estado se puede almacenar directamente en las propiedades de los componentes, por ejemplo.</a:t>
+            </a:r>
+          </a:p>
+          <a:p>
+            <a:endParaRPr lang="es-CO" dirty="0"/>
+          </a:p>
+          <a:p>
+            <a:pPr marL="0" indent="0">
+              <a:buNone/>
+            </a:pPr>
+            <a:r>
+              <a:rPr lang="es-CO" dirty="0"/>
+              <a:t>¿Cuando me interesa </a:t>
+            </a:r>
+            <a:r>
+              <a:rPr lang="es-CO" dirty="0" err="1"/>
+              <a:t>Redux</a:t>
+            </a:r>
+            <a:r>
+              <a:rPr lang="es-CO" dirty="0"/>
+              <a:t> entonces? </a:t>
+            </a:r>
+          </a:p>
+          <a:p>
+            <a:pPr marL="0" indent="0">
+              <a:buNone/>
+            </a:pPr>
+            <a:r>
+              <a:rPr lang="es-CO" dirty="0"/>
+              <a:t>Pues una señal clara de que necesitas ayuda con la gestión de estados es cuando tienes una app tan grande que en un momento dado pierdes el control del cuándo, cómo y por qué de tu estado.</a:t>
+            </a:r>
+          </a:p>
+        </p:txBody>
+      </p:sp>
+    </p:spTree>
+    <p:extLst>
+      <p:ext uri="{BB962C8B-B14F-4D97-AF65-F5344CB8AC3E}">
+        <p14:creationId xmlns:p14="http://schemas.microsoft.com/office/powerpoint/2010/main" val="938440532"/>
+      </p:ext>
+    </p:extLst>
+  </p:cSld>
+  <p:clrMapOvr>
+    <a:masterClrMapping/>
+  </p:clrMapOvr>
+</p:sld>
+</file>
+
+<file path=ppt/slides/slide35.xml><?xml version="1.0" encoding="utf-8"?>
+<p:sld xmlns:a="http://schemas.openxmlformats.org/drawingml/2006/main" xmlns:r="http://schemas.openxmlformats.org/officeDocument/2006/relationships" xmlns:p="http://schemas.openxmlformats.org/presentationml/2006/main">
+  <p:cSld>
+    <p:spTree>
+      <p:nvGrpSpPr>
+        <p:cNvPr id="1" name=""/>
+        <p:cNvGrpSpPr/>
+        <p:nvPr/>
+      </p:nvGrpSpPr>
+      <p:grpSpPr>
+        <a:xfrm>
+          <a:off x="0" y="0"/>
+          <a:ext cx="0" cy="0"/>
+          <a:chOff x="0" y="0"/>
+          <a:chExt cx="0" cy="0"/>
+        </a:xfrm>
+      </p:grpSpPr>
+      <p:sp>
+        <p:nvSpPr>
+          <p:cNvPr id="2" name="Título 1">
+            <a:extLst>
+              <a:ext uri="{FF2B5EF4-FFF2-40B4-BE49-F238E27FC236}">
+                <a16:creationId xmlns:a16="http://schemas.microsoft.com/office/drawing/2014/main" id="{1DE38597-D300-4230-8776-E01F7C9A1F94}"/>
+              </a:ext>
+            </a:extLst>
+          </p:cNvPr>
+          <p:cNvSpPr>
+            <a:spLocks noGrp="1"/>
+          </p:cNvSpPr>
+          <p:nvPr>
+            <p:ph type="title"/>
+          </p:nvPr>
+        </p:nvSpPr>
+        <p:spPr>
+          <a:xfrm>
+            <a:off x="685801" y="609601"/>
+            <a:ext cx="10131425" cy="573248"/>
+          </a:xfrm>
+        </p:spPr>
+        <p:txBody>
+          <a:bodyPr>
+            <a:normAutofit fontScale="90000"/>
+          </a:bodyPr>
+          <a:lstStyle/>
+          <a:p>
+            <a:r>
+              <a:rPr lang="es-CO" dirty="0"/>
+              <a:t>Los principios fundamentales de </a:t>
+            </a:r>
+            <a:r>
+              <a:rPr lang="es-CO" dirty="0" err="1"/>
+              <a:t>Redux</a:t>
+            </a:r>
+            <a:endParaRPr lang="es-CO" dirty="0"/>
+          </a:p>
+        </p:txBody>
+      </p:sp>
+      <p:sp>
+        <p:nvSpPr>
+          <p:cNvPr id="3" name="Marcador de contenido 2">
+            <a:extLst>
+              <a:ext uri="{FF2B5EF4-FFF2-40B4-BE49-F238E27FC236}">
+                <a16:creationId xmlns:a16="http://schemas.microsoft.com/office/drawing/2014/main" id="{FD3D6800-3BCF-45F2-9385-C0E446AD7CCF}"/>
+              </a:ext>
+            </a:extLst>
+          </p:cNvPr>
+          <p:cNvSpPr>
+            <a:spLocks noGrp="1"/>
+          </p:cNvSpPr>
+          <p:nvPr>
+            <p:ph idx="1"/>
+          </p:nvPr>
+        </p:nvSpPr>
+        <p:spPr>
+          <a:xfrm>
+            <a:off x="685801" y="1333851"/>
+            <a:ext cx="10131425" cy="4457350"/>
+          </a:xfrm>
+        </p:spPr>
+        <p:txBody>
+          <a:bodyPr/>
+          <a:lstStyle/>
+          <a:p>
+            <a:pPr algn="l">
+              <a:buFont typeface="Arial" panose="020B0604020202020204" pitchFamily="34" charset="0"/>
+              <a:buChar char="•"/>
+            </a:pPr>
+            <a:r>
+              <a:rPr lang="es-CO" b="1" i="0" dirty="0">
+                <a:solidFill>
+                  <a:schemeClr val="tx1">
+                    <a:lumMod val="95000"/>
+                  </a:schemeClr>
+                </a:solidFill>
+                <a:effectLst/>
+              </a:rPr>
+              <a:t>Fuente única de verdad</a:t>
+            </a:r>
+            <a:r>
+              <a:rPr lang="es-CO" b="0" i="0" dirty="0">
+                <a:solidFill>
+                  <a:schemeClr val="tx1">
+                    <a:lumMod val="95000"/>
+                  </a:schemeClr>
+                </a:solidFill>
+                <a:effectLst/>
+              </a:rPr>
+              <a:t>: En </a:t>
+            </a:r>
+            <a:r>
+              <a:rPr lang="es-CO" b="0" i="0" dirty="0" err="1">
+                <a:solidFill>
+                  <a:schemeClr val="tx1">
+                    <a:lumMod val="95000"/>
+                  </a:schemeClr>
+                </a:solidFill>
+                <a:effectLst/>
+              </a:rPr>
+              <a:t>Redux</a:t>
+            </a:r>
+            <a:r>
+              <a:rPr lang="es-CO" b="0" i="0" dirty="0">
+                <a:solidFill>
+                  <a:schemeClr val="tx1">
+                    <a:lumMod val="95000"/>
+                  </a:schemeClr>
+                </a:solidFill>
+                <a:effectLst/>
+              </a:rPr>
+              <a:t> hay un único objeto que almacena el estado de toda la aplicación. Esto ayuda a la hora de trabajar con apps universales, así como a la hora de </a:t>
+            </a:r>
+            <a:r>
+              <a:rPr lang="es-CO" b="0" i="0" dirty="0" err="1">
+                <a:solidFill>
+                  <a:schemeClr val="tx1">
+                    <a:lumMod val="95000"/>
+                  </a:schemeClr>
+                </a:solidFill>
+                <a:effectLst/>
+              </a:rPr>
+              <a:t>debugar</a:t>
+            </a:r>
+            <a:r>
+              <a:rPr lang="es-CO" b="0" i="0" dirty="0">
+                <a:solidFill>
+                  <a:schemeClr val="tx1">
+                    <a:lumMod val="95000"/>
+                  </a:schemeClr>
+                </a:solidFill>
+                <a:effectLst/>
+              </a:rPr>
+              <a:t> y de reiniciar el desarrollo en un punto concreto de ejecución.</a:t>
+            </a:r>
+          </a:p>
+          <a:p>
+            <a:pPr algn="l">
+              <a:buFont typeface="Arial" panose="020B0604020202020204" pitchFamily="34" charset="0"/>
+              <a:buChar char="•"/>
+            </a:pPr>
+            <a:endParaRPr lang="es-CO" b="0" i="0" dirty="0">
+              <a:solidFill>
+                <a:schemeClr val="tx1">
+                  <a:lumMod val="95000"/>
+                </a:schemeClr>
+              </a:solidFill>
+              <a:effectLst/>
+            </a:endParaRPr>
+          </a:p>
+          <a:p>
+            <a:pPr algn="l">
+              <a:buFont typeface="Arial" panose="020B0604020202020204" pitchFamily="34" charset="0"/>
+              <a:buChar char="•"/>
+            </a:pPr>
+            <a:r>
+              <a:rPr lang="es-CO" b="1" i="0" dirty="0">
+                <a:solidFill>
+                  <a:schemeClr val="tx1">
+                    <a:lumMod val="95000"/>
+                  </a:schemeClr>
+                </a:solidFill>
+                <a:effectLst/>
+              </a:rPr>
+              <a:t>Inmutabilidad, el estado es </a:t>
+            </a:r>
+            <a:r>
+              <a:rPr lang="es-CO" b="1" i="1" dirty="0" err="1">
+                <a:solidFill>
+                  <a:schemeClr val="tx1">
+                    <a:lumMod val="95000"/>
+                  </a:schemeClr>
+                </a:solidFill>
+                <a:effectLst/>
+              </a:rPr>
+              <a:t>read-only</a:t>
+            </a:r>
+            <a:r>
+              <a:rPr lang="es-CO" b="0" i="0" dirty="0">
+                <a:solidFill>
+                  <a:schemeClr val="tx1">
+                    <a:lumMod val="95000"/>
+                  </a:schemeClr>
+                </a:solidFill>
+                <a:effectLst/>
+              </a:rPr>
+              <a:t>. Ninguna interacción puede cambiarlo directamente. Lo único que puedes hacer para conseguirlo es emitir una </a:t>
+            </a:r>
+            <a:r>
+              <a:rPr lang="es-CO" b="1" i="0" dirty="0">
+                <a:solidFill>
+                  <a:schemeClr val="tx1">
+                    <a:lumMod val="95000"/>
+                  </a:schemeClr>
+                </a:solidFill>
+                <a:effectLst/>
+              </a:rPr>
+              <a:t>acción</a:t>
+            </a:r>
+            <a:r>
+              <a:rPr lang="es-CO" b="0" i="0" dirty="0">
+                <a:solidFill>
+                  <a:schemeClr val="tx1">
+                    <a:lumMod val="95000"/>
+                  </a:schemeClr>
+                </a:solidFill>
+                <a:effectLst/>
+              </a:rPr>
+              <a:t> que expresa su intención de cambiarlo.</a:t>
+            </a:r>
+          </a:p>
+          <a:p>
+            <a:pPr algn="l">
+              <a:buFont typeface="Arial" panose="020B0604020202020204" pitchFamily="34" charset="0"/>
+              <a:buChar char="•"/>
+            </a:pPr>
+            <a:endParaRPr lang="es-CO" b="0" i="0" dirty="0">
+              <a:solidFill>
+                <a:schemeClr val="tx1">
+                  <a:lumMod val="95000"/>
+                </a:schemeClr>
+              </a:solidFill>
+              <a:effectLst/>
+            </a:endParaRPr>
+          </a:p>
+          <a:p>
+            <a:pPr algn="l">
+              <a:buFont typeface="Arial" panose="020B0604020202020204" pitchFamily="34" charset="0"/>
+              <a:buChar char="•"/>
+            </a:pPr>
+            <a:r>
+              <a:rPr lang="es-CO" b="1" i="0" dirty="0">
+                <a:solidFill>
+                  <a:schemeClr val="tx1">
+                    <a:lumMod val="95000"/>
+                  </a:schemeClr>
+                </a:solidFill>
+                <a:effectLst/>
+              </a:rPr>
+              <a:t>Funciones puras</a:t>
+            </a:r>
+            <a:r>
+              <a:rPr lang="es-CO" b="0" i="0" dirty="0">
+                <a:solidFill>
+                  <a:schemeClr val="tx1">
+                    <a:lumMod val="95000"/>
+                  </a:schemeClr>
+                </a:solidFill>
+                <a:effectLst/>
+              </a:rPr>
+              <a:t>: Usa funciones puras (a mismos inputs, mismos outputs) para definir como cambia el estado en base a una </a:t>
+            </a:r>
+            <a:r>
+              <a:rPr lang="es-CO" b="1" i="0" dirty="0">
+                <a:solidFill>
+                  <a:schemeClr val="tx1">
+                    <a:lumMod val="95000"/>
+                  </a:schemeClr>
+                </a:solidFill>
+                <a:effectLst/>
+              </a:rPr>
+              <a:t>acción</a:t>
+            </a:r>
+            <a:r>
+              <a:rPr lang="es-CO" b="0" i="0" dirty="0">
+                <a:solidFill>
+                  <a:schemeClr val="tx1">
+                    <a:lumMod val="95000"/>
+                  </a:schemeClr>
+                </a:solidFill>
+                <a:effectLst/>
+              </a:rPr>
+              <a:t>. En </a:t>
+            </a:r>
+            <a:r>
+              <a:rPr lang="es-CO" b="0" i="0" dirty="0" err="1">
+                <a:solidFill>
+                  <a:schemeClr val="tx1">
+                    <a:lumMod val="95000"/>
+                  </a:schemeClr>
+                </a:solidFill>
+                <a:effectLst/>
+              </a:rPr>
+              <a:t>Redux</a:t>
+            </a:r>
+            <a:r>
+              <a:rPr lang="es-CO" b="0" i="0" dirty="0">
+                <a:solidFill>
+                  <a:schemeClr val="tx1">
+                    <a:lumMod val="95000"/>
+                  </a:schemeClr>
+                </a:solidFill>
+                <a:effectLst/>
+              </a:rPr>
+              <a:t> estas funciones se conocen como </a:t>
+            </a:r>
+            <a:r>
+              <a:rPr lang="es-CO" b="1" i="0" dirty="0" err="1">
+                <a:solidFill>
+                  <a:schemeClr val="tx1">
+                    <a:lumMod val="95000"/>
+                  </a:schemeClr>
+                </a:solidFill>
+                <a:effectLst/>
+              </a:rPr>
+              <a:t>reducers</a:t>
+            </a:r>
+            <a:r>
+              <a:rPr lang="es-CO" b="0" i="0" dirty="0">
+                <a:solidFill>
+                  <a:schemeClr val="tx1">
+                    <a:lumMod val="95000"/>
+                  </a:schemeClr>
+                </a:solidFill>
+                <a:effectLst/>
+              </a:rPr>
+              <a:t> y al ser puras, su comportamiento es predecible.</a:t>
+            </a:r>
+          </a:p>
+        </p:txBody>
+      </p:sp>
+    </p:spTree>
+    <p:extLst>
+      <p:ext uri="{BB962C8B-B14F-4D97-AF65-F5344CB8AC3E}">
+        <p14:creationId xmlns:p14="http://schemas.microsoft.com/office/powerpoint/2010/main" val="699713146"/>
+      </p:ext>
+    </p:extLst>
+  </p:cSld>
+  <p:clrMapOvr>
+    <a:masterClrMapping/>
+  </p:clrMapOvr>
+</p:sld>
+</file>
+
+<file path=ppt/slides/slide36.xml><?xml version="1.0" encoding="utf-8"?>
+<p:sld xmlns:a="http://schemas.openxmlformats.org/drawingml/2006/main" xmlns:r="http://schemas.openxmlformats.org/officeDocument/2006/relationships" xmlns:p="http://schemas.openxmlformats.org/presentationml/2006/main">
+  <p:cSld>
+    <p:spTree>
+      <p:nvGrpSpPr>
+        <p:cNvPr id="1" name=""/>
+        <p:cNvGrpSpPr/>
+        <p:nvPr/>
+      </p:nvGrpSpPr>
+      <p:grpSpPr>
+        <a:xfrm>
+          <a:off x="0" y="0"/>
+          <a:ext cx="0" cy="0"/>
+          <a:chOff x="0" y="0"/>
+          <a:chExt cx="0" cy="0"/>
+        </a:xfrm>
+      </p:grpSpPr>
+      <p:sp>
+        <p:nvSpPr>
+          <p:cNvPr id="2" name="Título 1">
+            <a:extLst>
+              <a:ext uri="{FF2B5EF4-FFF2-40B4-BE49-F238E27FC236}">
+                <a16:creationId xmlns:a16="http://schemas.microsoft.com/office/drawing/2014/main" id="{CE745517-3D26-49F5-AFCE-73BD352BBDCE}"/>
+              </a:ext>
+            </a:extLst>
+          </p:cNvPr>
+          <p:cNvSpPr>
+            <a:spLocks noGrp="1"/>
+          </p:cNvSpPr>
+          <p:nvPr>
+            <p:ph type="title"/>
+          </p:nvPr>
+        </p:nvSpPr>
+        <p:spPr/>
+        <p:txBody>
+          <a:bodyPr/>
+          <a:lstStyle/>
+          <a:p>
+            <a:r>
+              <a:rPr lang="es-CO" dirty="0"/>
+              <a:t>Store</a:t>
+            </a:r>
+          </a:p>
+        </p:txBody>
+      </p:sp>
+      <p:sp>
+        <p:nvSpPr>
+          <p:cNvPr id="3" name="Marcador de contenido 2">
+            <a:extLst>
+              <a:ext uri="{FF2B5EF4-FFF2-40B4-BE49-F238E27FC236}">
+                <a16:creationId xmlns:a16="http://schemas.microsoft.com/office/drawing/2014/main" id="{A0CA6592-985E-4C5C-89B9-EC0D75263A17}"/>
+              </a:ext>
+            </a:extLst>
+          </p:cNvPr>
+          <p:cNvSpPr>
+            <a:spLocks noGrp="1"/>
+          </p:cNvSpPr>
+          <p:nvPr>
+            <p:ph idx="1"/>
+          </p:nvPr>
+        </p:nvSpPr>
+        <p:spPr/>
+        <p:txBody>
+          <a:bodyPr>
+            <a:normAutofit fontScale="92500" lnSpcReduction="20000"/>
+          </a:bodyPr>
+          <a:lstStyle/>
+          <a:p>
+            <a:pPr marL="0" indent="0">
+              <a:buNone/>
+            </a:pPr>
+            <a:r>
+              <a:rPr lang="es-CO" dirty="0"/>
+              <a:t>El store es el centro neurálgico de </a:t>
+            </a:r>
+            <a:r>
+              <a:rPr lang="es-CO" dirty="0" err="1"/>
+              <a:t>Redux</a:t>
+            </a:r>
+            <a:r>
+              <a:rPr lang="es-CO" dirty="0"/>
+              <a:t>. Todo en </a:t>
+            </a:r>
+            <a:r>
+              <a:rPr lang="es-CO" dirty="0" err="1"/>
+              <a:t>Redux</a:t>
+            </a:r>
+            <a:r>
+              <a:rPr lang="es-CO" dirty="0"/>
+              <a:t> gira a su alrededor y es un objeto único. Una app no puede tener varios </a:t>
+            </a:r>
+            <a:r>
+              <a:rPr lang="es-CO" dirty="0" err="1"/>
+              <a:t>stores</a:t>
+            </a:r>
+            <a:r>
+              <a:rPr lang="es-CO" dirty="0"/>
+              <a:t>.</a:t>
+            </a:r>
+          </a:p>
+          <a:p>
+            <a:pPr>
+              <a:buFont typeface="Wingdings" panose="05000000000000000000" pitchFamily="2" charset="2"/>
+              <a:buChar char="Ø"/>
+            </a:pPr>
+            <a:endParaRPr lang="es-CO" i="1" dirty="0"/>
+          </a:p>
+          <a:p>
+            <a:pPr marL="0" indent="0">
+              <a:buNone/>
+            </a:pPr>
+            <a:r>
+              <a:rPr lang="es-CO" i="1" dirty="0"/>
+              <a:t>El store es la conexión entre los acontecimientos que pretenden cambiar el estado (acciones) y la lógica que indica como cambiarlo (</a:t>
+            </a:r>
+            <a:r>
+              <a:rPr lang="es-CO" i="1" dirty="0" err="1"/>
+              <a:t>reducers</a:t>
+            </a:r>
+            <a:r>
+              <a:rPr lang="es-CO" i="1" dirty="0"/>
+              <a:t>).</a:t>
+            </a:r>
+          </a:p>
+          <a:p>
+            <a:pPr>
+              <a:buFont typeface="Wingdings" panose="05000000000000000000" pitchFamily="2" charset="2"/>
+              <a:buChar char="Ø"/>
+            </a:pPr>
+            <a:endParaRPr lang="es-CO" dirty="0"/>
+          </a:p>
+          <a:p>
+            <a:pPr marL="0" indent="0">
+              <a:buNone/>
+            </a:pPr>
+            <a:r>
+              <a:rPr lang="es-CO" dirty="0"/>
+              <a:t>El store:</a:t>
+            </a:r>
+          </a:p>
+          <a:p>
+            <a:pPr>
+              <a:buFont typeface="Wingdings" panose="05000000000000000000" pitchFamily="2" charset="2"/>
+              <a:buChar char="Ø"/>
+            </a:pPr>
+            <a:endParaRPr lang="es-CO" dirty="0"/>
+          </a:p>
+          <a:p>
+            <a:pPr>
+              <a:buFont typeface="Wingdings" panose="05000000000000000000" pitchFamily="2" charset="2"/>
+              <a:buChar char="Ø"/>
+            </a:pPr>
+            <a:r>
+              <a:rPr lang="es-CO" dirty="0"/>
+              <a:t>Almacena el estado de toda la aplicación</a:t>
+            </a:r>
+          </a:p>
+          <a:p>
+            <a:pPr>
+              <a:buFont typeface="Wingdings" panose="05000000000000000000" pitchFamily="2" charset="2"/>
+              <a:buChar char="Ø"/>
+            </a:pPr>
+            <a:r>
+              <a:rPr lang="es-CO" dirty="0"/>
+              <a:t>Da acceso al estado (solo lectura) con </a:t>
+            </a:r>
+            <a:r>
+              <a:rPr lang="es-CO" b="1" u="sng" dirty="0" err="1"/>
+              <a:t>getState</a:t>
+            </a:r>
+            <a:r>
+              <a:rPr lang="es-CO" b="1" u="sng" dirty="0"/>
+              <a:t>()</a:t>
+            </a:r>
+          </a:p>
+          <a:p>
+            <a:pPr>
+              <a:buFont typeface="Wingdings" panose="05000000000000000000" pitchFamily="2" charset="2"/>
+              <a:buChar char="Ø"/>
+            </a:pPr>
+            <a:r>
+              <a:rPr lang="es-CO" dirty="0"/>
+              <a:t>Permite lanzar acciones con el método </a:t>
+            </a:r>
+            <a:r>
+              <a:rPr lang="es-CO" b="1" u="sng" dirty="0" err="1"/>
+              <a:t>dispatch</a:t>
+            </a:r>
+            <a:r>
+              <a:rPr lang="es-CO" b="1" u="sng" dirty="0"/>
+              <a:t>(</a:t>
+            </a:r>
+            <a:r>
+              <a:rPr lang="es-CO" b="1" u="sng" dirty="0" err="1"/>
+              <a:t>action</a:t>
+            </a:r>
+            <a:r>
+              <a:rPr lang="es-CO" b="1" u="sng" dirty="0"/>
+              <a:t>) </a:t>
+            </a:r>
+            <a:r>
+              <a:rPr lang="es-CO" dirty="0"/>
+              <a:t>para que las reciban los </a:t>
+            </a:r>
+            <a:r>
+              <a:rPr lang="es-CO" dirty="0" err="1"/>
+              <a:t>reducers</a:t>
+            </a:r>
+            <a:r>
+              <a:rPr lang="es-CO" dirty="0"/>
+              <a:t>.</a:t>
+            </a:r>
+          </a:p>
+        </p:txBody>
+      </p:sp>
+    </p:spTree>
+    <p:extLst>
+      <p:ext uri="{BB962C8B-B14F-4D97-AF65-F5344CB8AC3E}">
+        <p14:creationId xmlns:p14="http://schemas.microsoft.com/office/powerpoint/2010/main" val="919866513"/>
+      </p:ext>
+    </p:extLst>
+  </p:cSld>
+  <p:clrMapOvr>
+    <a:masterClrMapping/>
+  </p:clrMapOvr>
+</p:sld>
+</file>
+
+<file path=ppt/slides/slide37.xml><?xml version="1.0" encoding="utf-8"?>
+<p:sld xmlns:a="http://schemas.openxmlformats.org/drawingml/2006/main" xmlns:r="http://schemas.openxmlformats.org/officeDocument/2006/relationships" xmlns:p="http://schemas.openxmlformats.org/presentationml/2006/main">
+  <p:cSld>
+    <p:spTree>
+      <p:nvGrpSpPr>
+        <p:cNvPr id="1" name=""/>
+        <p:cNvGrpSpPr/>
+        <p:nvPr/>
+      </p:nvGrpSpPr>
+      <p:grpSpPr>
+        <a:xfrm>
+          <a:off x="0" y="0"/>
+          <a:ext cx="0" cy="0"/>
+          <a:chOff x="0" y="0"/>
+          <a:chExt cx="0" cy="0"/>
+        </a:xfrm>
+      </p:grpSpPr>
+      <p:sp>
+        <p:nvSpPr>
+          <p:cNvPr id="2" name="Título 1">
+            <a:extLst>
+              <a:ext uri="{FF2B5EF4-FFF2-40B4-BE49-F238E27FC236}">
+                <a16:creationId xmlns:a16="http://schemas.microsoft.com/office/drawing/2014/main" id="{A5BCEBB1-4B48-49B1-A1CE-7F147857C81F}"/>
+              </a:ext>
+            </a:extLst>
+          </p:cNvPr>
+          <p:cNvSpPr>
+            <a:spLocks noGrp="1"/>
+          </p:cNvSpPr>
+          <p:nvPr>
+            <p:ph type="title"/>
+          </p:nvPr>
+        </p:nvSpPr>
+        <p:spPr/>
+        <p:txBody>
+          <a:bodyPr/>
+          <a:lstStyle/>
+          <a:p>
+            <a:r>
+              <a:rPr lang="es-CO" dirty="0"/>
+              <a:t>Acciones</a:t>
+            </a:r>
+          </a:p>
+        </p:txBody>
+      </p:sp>
+      <p:sp>
+        <p:nvSpPr>
+          <p:cNvPr id="3" name="Marcador de contenido 2">
+            <a:extLst>
+              <a:ext uri="{FF2B5EF4-FFF2-40B4-BE49-F238E27FC236}">
+                <a16:creationId xmlns:a16="http://schemas.microsoft.com/office/drawing/2014/main" id="{507BA12A-BE93-4112-A602-3C11B3CEF3AF}"/>
+              </a:ext>
+            </a:extLst>
+          </p:cNvPr>
+          <p:cNvSpPr>
+            <a:spLocks noGrp="1"/>
+          </p:cNvSpPr>
+          <p:nvPr>
+            <p:ph idx="1"/>
+          </p:nvPr>
+        </p:nvSpPr>
+        <p:spPr>
+          <a:xfrm>
+            <a:off x="568356" y="1621915"/>
+            <a:ext cx="10131425" cy="1456268"/>
+          </a:xfrm>
+        </p:spPr>
+        <p:txBody>
+          <a:bodyPr/>
+          <a:lstStyle/>
+          <a:p>
+            <a:pPr marL="0" indent="0">
+              <a:buNone/>
+            </a:pPr>
+            <a:r>
+              <a:rPr lang="es-CO" dirty="0"/>
+              <a:t>Las acciones son el único mecanismo en </a:t>
+            </a:r>
+            <a:r>
+              <a:rPr lang="es-CO" dirty="0" err="1"/>
+              <a:t>Redux</a:t>
+            </a:r>
+            <a:r>
+              <a:rPr lang="es-CO" dirty="0"/>
+              <a:t> para enviar información a tu store.</a:t>
+            </a:r>
+          </a:p>
+          <a:p>
+            <a:pPr marL="0" indent="0">
+              <a:buNone/>
+            </a:pPr>
+            <a:r>
+              <a:rPr lang="es-CO" dirty="0"/>
+              <a:t>Son objetos simples que incluyen una propiedad </a:t>
+            </a:r>
+            <a:r>
+              <a:rPr lang="es-CO" dirty="0" err="1"/>
+              <a:t>type</a:t>
+            </a:r>
+            <a:r>
+              <a:rPr lang="es-CO" dirty="0"/>
+              <a:t> y pueden incluir otros campos con información adicional. Muchas veces y por convención, a esa información adicional se le llama </a:t>
+            </a:r>
+            <a:r>
+              <a:rPr lang="es-CO" dirty="0" err="1"/>
+              <a:t>payload</a:t>
+            </a:r>
+            <a:r>
+              <a:rPr lang="es-CO" dirty="0"/>
+              <a:t>.</a:t>
+            </a:r>
+          </a:p>
+        </p:txBody>
+      </p:sp>
+      <p:pic>
+        <p:nvPicPr>
+          <p:cNvPr id="8" name="Imagen 7">
+            <a:extLst>
+              <a:ext uri="{FF2B5EF4-FFF2-40B4-BE49-F238E27FC236}">
+                <a16:creationId xmlns:a16="http://schemas.microsoft.com/office/drawing/2014/main" id="{391B3ADA-3CBF-4963-87CB-8D7745BE24B0}"/>
+              </a:ext>
+            </a:extLst>
+          </p:cNvPr>
+          <p:cNvPicPr>
+            <a:picLocks noChangeAspect="1"/>
+          </p:cNvPicPr>
+          <p:nvPr/>
+        </p:nvPicPr>
+        <p:blipFill>
+          <a:blip r:embed="rId2"/>
+          <a:stretch>
+            <a:fillRect/>
+          </a:stretch>
+        </p:blipFill>
+        <p:spPr>
+          <a:xfrm>
+            <a:off x="3411523" y="3207260"/>
+            <a:ext cx="3657600" cy="2028825"/>
+          </a:xfrm>
+          <a:prstGeom prst="rect">
+            <a:avLst/>
+          </a:prstGeom>
+        </p:spPr>
+      </p:pic>
+      <p:sp>
+        <p:nvSpPr>
+          <p:cNvPr id="15" name="CuadroTexto 14">
+            <a:extLst>
+              <a:ext uri="{FF2B5EF4-FFF2-40B4-BE49-F238E27FC236}">
+                <a16:creationId xmlns:a16="http://schemas.microsoft.com/office/drawing/2014/main" id="{D657728F-D731-475B-A4C5-9026D279D9D3}"/>
+              </a:ext>
+            </a:extLst>
+          </p:cNvPr>
+          <p:cNvSpPr txBox="1"/>
+          <p:nvPr/>
+        </p:nvSpPr>
+        <p:spPr>
+          <a:xfrm>
+            <a:off x="1579227" y="5602069"/>
+            <a:ext cx="8370116" cy="646331"/>
+          </a:xfrm>
+          <a:prstGeom prst="rect">
+            <a:avLst/>
+          </a:prstGeom>
+          <a:noFill/>
+        </p:spPr>
+        <p:txBody>
+          <a:bodyPr wrap="square">
+            <a:spAutoFit/>
+          </a:bodyPr>
+          <a:lstStyle/>
+          <a:p>
+            <a:r>
+              <a:rPr lang="es-CO" dirty="0"/>
+              <a:t>A partir de aquí, cuando quieres lanzar la acción (por ejemplo al hacer </a:t>
+            </a:r>
+            <a:r>
+              <a:rPr lang="es-CO" dirty="0" err="1"/>
+              <a:t>click</a:t>
+            </a:r>
+            <a:r>
+              <a:rPr lang="es-CO" dirty="0"/>
+              <a:t> en un botón), usarías el método </a:t>
+            </a:r>
+            <a:r>
+              <a:rPr lang="es-CO" b="1" u="sng" dirty="0" err="1"/>
+              <a:t>store.dispatch</a:t>
+            </a:r>
+            <a:r>
+              <a:rPr lang="es-CO" dirty="0"/>
+              <a:t>. </a:t>
+            </a:r>
+          </a:p>
+        </p:txBody>
+      </p:sp>
+    </p:spTree>
+    <p:extLst>
+      <p:ext uri="{BB962C8B-B14F-4D97-AF65-F5344CB8AC3E}">
+        <p14:creationId xmlns:p14="http://schemas.microsoft.com/office/powerpoint/2010/main" val="3235150856"/>
+      </p:ext>
+    </p:extLst>
+  </p:cSld>
+  <p:clrMapOvr>
+    <a:masterClrMapping/>
+  </p:clrMapOvr>
+</p:sld>
+</file>
+
+<file path=ppt/slides/slide38.xml><?xml version="1.0" encoding="utf-8"?>
+<p:sld xmlns:a="http://schemas.openxmlformats.org/drawingml/2006/main" xmlns:r="http://schemas.openxmlformats.org/officeDocument/2006/relationships" xmlns:p="http://schemas.openxmlformats.org/presentationml/2006/main">
+  <p:cSld>
+    <p:spTree>
+      <p:nvGrpSpPr>
+        <p:cNvPr id="1" name=""/>
+        <p:cNvGrpSpPr/>
+        <p:nvPr/>
+      </p:nvGrpSpPr>
+      <p:grpSpPr>
+        <a:xfrm>
+          <a:off x="0" y="0"/>
+          <a:ext cx="0" cy="0"/>
+          <a:chOff x="0" y="0"/>
+          <a:chExt cx="0" cy="0"/>
+        </a:xfrm>
+      </p:grpSpPr>
+      <p:sp>
+        <p:nvSpPr>
+          <p:cNvPr id="2" name="Título 1">
+            <a:extLst>
+              <a:ext uri="{FF2B5EF4-FFF2-40B4-BE49-F238E27FC236}">
+                <a16:creationId xmlns:a16="http://schemas.microsoft.com/office/drawing/2014/main" id="{A2DF0C7F-84A7-4416-8EE9-A7CAF991DDC8}"/>
+              </a:ext>
+            </a:extLst>
+          </p:cNvPr>
+          <p:cNvSpPr>
+            <a:spLocks noGrp="1"/>
+          </p:cNvSpPr>
+          <p:nvPr>
+            <p:ph type="title"/>
+          </p:nvPr>
+        </p:nvSpPr>
+        <p:spPr/>
+        <p:txBody>
+          <a:bodyPr/>
+          <a:lstStyle/>
+          <a:p>
+            <a:endParaRPr lang="es-CO"/>
+          </a:p>
+        </p:txBody>
+      </p:sp>
+      <p:sp>
+        <p:nvSpPr>
+          <p:cNvPr id="3" name="Marcador de contenido 2">
+            <a:extLst>
+              <a:ext uri="{FF2B5EF4-FFF2-40B4-BE49-F238E27FC236}">
+                <a16:creationId xmlns:a16="http://schemas.microsoft.com/office/drawing/2014/main" id="{F4A8C2F0-3B3F-4037-A4FF-6CEDC676EF5E}"/>
+              </a:ext>
+            </a:extLst>
+          </p:cNvPr>
+          <p:cNvSpPr>
+            <a:spLocks noGrp="1"/>
+          </p:cNvSpPr>
+          <p:nvPr>
+            <p:ph idx="1"/>
+          </p:nvPr>
+        </p:nvSpPr>
+        <p:spPr/>
+        <p:txBody>
+          <a:bodyPr/>
+          <a:lstStyle/>
+          <a:p>
+            <a:pPr>
+              <a:buFont typeface="Wingdings" panose="05000000000000000000" pitchFamily="2" charset="2"/>
+              <a:buChar char="ü"/>
+            </a:pPr>
+            <a:r>
+              <a:rPr lang="es-CO" b="0" i="0" dirty="0" err="1">
+                <a:solidFill>
+                  <a:srgbClr val="FFC000"/>
+                </a:solidFill>
+                <a:effectLst/>
+                <a:latin typeface="SFMono-Regular"/>
+              </a:rPr>
+              <a:t>npm</a:t>
+            </a:r>
+            <a:r>
+              <a:rPr lang="es-CO" b="0" i="0" dirty="0">
+                <a:solidFill>
+                  <a:srgbClr val="FFC000"/>
+                </a:solidFill>
+                <a:effectLst/>
+                <a:latin typeface="SFMono-Regular"/>
+              </a:rPr>
+              <a:t> </a:t>
+            </a:r>
+            <a:r>
+              <a:rPr lang="es-CO" b="0" i="0" dirty="0" err="1">
+                <a:solidFill>
+                  <a:srgbClr val="FFC000"/>
+                </a:solidFill>
+                <a:effectLst/>
+                <a:latin typeface="SFMono-Regular"/>
+              </a:rPr>
+              <a:t>install</a:t>
+            </a:r>
+            <a:r>
+              <a:rPr lang="es-CO" b="0" i="0" dirty="0">
+                <a:solidFill>
+                  <a:srgbClr val="FFC000"/>
+                </a:solidFill>
+                <a:effectLst/>
+                <a:latin typeface="SFMono-Regular"/>
+              </a:rPr>
+              <a:t> </a:t>
+            </a:r>
+            <a:r>
+              <a:rPr lang="es-CO" b="0" i="0" dirty="0" err="1">
+                <a:solidFill>
+                  <a:srgbClr val="F8F8F2"/>
+                </a:solidFill>
+                <a:effectLst/>
+                <a:latin typeface="SFMono-Regular"/>
+              </a:rPr>
+              <a:t>redux</a:t>
+            </a:r>
+            <a:endParaRPr lang="es-CO" b="0" i="0" dirty="0">
+              <a:solidFill>
+                <a:srgbClr val="F8F8F2"/>
+              </a:solidFill>
+              <a:effectLst/>
+              <a:latin typeface="SFMono-Regular"/>
+            </a:endParaRPr>
+          </a:p>
+          <a:p>
+            <a:pPr>
+              <a:buFont typeface="Wingdings" panose="05000000000000000000" pitchFamily="2" charset="2"/>
+              <a:buChar char="ü"/>
+            </a:pPr>
+            <a:r>
+              <a:rPr lang="es-CO" dirty="0" err="1">
+                <a:solidFill>
+                  <a:srgbClr val="FFC000"/>
+                </a:solidFill>
+              </a:rPr>
+              <a:t>npm</a:t>
+            </a:r>
+            <a:r>
+              <a:rPr lang="es-CO" dirty="0">
+                <a:solidFill>
+                  <a:srgbClr val="FFC000"/>
+                </a:solidFill>
+              </a:rPr>
+              <a:t> </a:t>
+            </a:r>
+            <a:r>
+              <a:rPr lang="es-CO" dirty="0" err="1">
+                <a:solidFill>
+                  <a:srgbClr val="FFC000"/>
+                </a:solidFill>
+              </a:rPr>
+              <a:t>install</a:t>
+            </a:r>
+            <a:r>
+              <a:rPr lang="es-CO" dirty="0">
+                <a:solidFill>
+                  <a:srgbClr val="FFC000"/>
+                </a:solidFill>
+              </a:rPr>
+              <a:t> </a:t>
+            </a:r>
+            <a:r>
+              <a:rPr lang="es-CO" dirty="0"/>
+              <a:t>--</a:t>
+            </a:r>
+            <a:r>
+              <a:rPr lang="es-CO" dirty="0" err="1"/>
+              <a:t>save</a:t>
+            </a:r>
+            <a:r>
+              <a:rPr lang="es-CO" dirty="0"/>
+              <a:t> </a:t>
+            </a:r>
+            <a:r>
+              <a:rPr lang="es-CO" dirty="0" err="1"/>
+              <a:t>react-redux</a:t>
+            </a:r>
+            <a:endParaRPr lang="es-CO" dirty="0"/>
+          </a:p>
+        </p:txBody>
+      </p:sp>
+    </p:spTree>
+    <p:extLst>
+      <p:ext uri="{BB962C8B-B14F-4D97-AF65-F5344CB8AC3E}">
+        <p14:creationId xmlns:p14="http://schemas.microsoft.com/office/powerpoint/2010/main" val="1678004624"/>
       </p:ext>
     </p:extLst>
   </p:cSld>
